--- a/doc/BubblGum-Präsentation.pptx
+++ b/doc/BubblGum-Präsentation.pptx
@@ -112,6 +112,11 @@
       </a:defRPr>
     </a:lvl9pPr>
   </p:defaultTextStyle>
+  <p:extLst>
+    <p:ext uri="{EFAFB233-063F-42B5-8137-9DF3F51BA10A}">
+      <p15:sldGuideLst xmlns:p15="http://schemas.microsoft.com/office/powerpoint/2012/main"/>
+    </p:ext>
+  </p:extLst>
 </p:presentation>
 </file>
 
@@ -258,7 +263,7 @@
           <a:p>
             <a:fld id="{FAA8CAB1-B6AD-41C7-9377-4459BDE3A19B}" type="datetimeFigureOut">
               <a:rPr lang="de-CH" smtClean="0"/>
-              <a:t>09.07.2019</a:t>
+              <a:t>10.07.2019</a:t>
             </a:fld>
             <a:endParaRPr lang="de-CH"/>
           </a:p>
@@ -428,7 +433,7 @@
           <a:p>
             <a:fld id="{FAA8CAB1-B6AD-41C7-9377-4459BDE3A19B}" type="datetimeFigureOut">
               <a:rPr lang="de-CH" smtClean="0"/>
-              <a:t>09.07.2019</a:t>
+              <a:t>10.07.2019</a:t>
             </a:fld>
             <a:endParaRPr lang="de-CH"/>
           </a:p>
@@ -608,7 +613,7 @@
           <a:p>
             <a:fld id="{FAA8CAB1-B6AD-41C7-9377-4459BDE3A19B}" type="datetimeFigureOut">
               <a:rPr lang="de-CH" smtClean="0"/>
-              <a:t>09.07.2019</a:t>
+              <a:t>10.07.2019</a:t>
             </a:fld>
             <a:endParaRPr lang="de-CH"/>
           </a:p>
@@ -778,7 +783,7 @@
           <a:p>
             <a:fld id="{FAA8CAB1-B6AD-41C7-9377-4459BDE3A19B}" type="datetimeFigureOut">
               <a:rPr lang="de-CH" smtClean="0"/>
-              <a:t>09.07.2019</a:t>
+              <a:t>10.07.2019</a:t>
             </a:fld>
             <a:endParaRPr lang="de-CH"/>
           </a:p>
@@ -1024,7 +1029,7 @@
           <a:p>
             <a:fld id="{FAA8CAB1-B6AD-41C7-9377-4459BDE3A19B}" type="datetimeFigureOut">
               <a:rPr lang="de-CH" smtClean="0"/>
-              <a:t>09.07.2019</a:t>
+              <a:t>10.07.2019</a:t>
             </a:fld>
             <a:endParaRPr lang="de-CH"/>
           </a:p>
@@ -1256,7 +1261,7 @@
           <a:p>
             <a:fld id="{FAA8CAB1-B6AD-41C7-9377-4459BDE3A19B}" type="datetimeFigureOut">
               <a:rPr lang="de-CH" smtClean="0"/>
-              <a:t>09.07.2019</a:t>
+              <a:t>10.07.2019</a:t>
             </a:fld>
             <a:endParaRPr lang="de-CH"/>
           </a:p>
@@ -1623,7 +1628,7 @@
           <a:p>
             <a:fld id="{FAA8CAB1-B6AD-41C7-9377-4459BDE3A19B}" type="datetimeFigureOut">
               <a:rPr lang="de-CH" smtClean="0"/>
-              <a:t>09.07.2019</a:t>
+              <a:t>10.07.2019</a:t>
             </a:fld>
             <a:endParaRPr lang="de-CH"/>
           </a:p>
@@ -1741,7 +1746,7 @@
           <a:p>
             <a:fld id="{FAA8CAB1-B6AD-41C7-9377-4459BDE3A19B}" type="datetimeFigureOut">
               <a:rPr lang="de-CH" smtClean="0"/>
-              <a:t>09.07.2019</a:t>
+              <a:t>10.07.2019</a:t>
             </a:fld>
             <a:endParaRPr lang="de-CH"/>
           </a:p>
@@ -1836,7 +1841,7 @@
           <a:p>
             <a:fld id="{FAA8CAB1-B6AD-41C7-9377-4459BDE3A19B}" type="datetimeFigureOut">
               <a:rPr lang="de-CH" smtClean="0"/>
-              <a:t>09.07.2019</a:t>
+              <a:t>10.07.2019</a:t>
             </a:fld>
             <a:endParaRPr lang="de-CH"/>
           </a:p>
@@ -2113,7 +2118,7 @@
           <a:p>
             <a:fld id="{FAA8CAB1-B6AD-41C7-9377-4459BDE3A19B}" type="datetimeFigureOut">
               <a:rPr lang="de-CH" smtClean="0"/>
-              <a:t>09.07.2019</a:t>
+              <a:t>10.07.2019</a:t>
             </a:fld>
             <a:endParaRPr lang="de-CH"/>
           </a:p>
@@ -2366,7 +2371,7 @@
           <a:p>
             <a:fld id="{FAA8CAB1-B6AD-41C7-9377-4459BDE3A19B}" type="datetimeFigureOut">
               <a:rPr lang="de-CH" smtClean="0"/>
-              <a:t>09.07.2019</a:t>
+              <a:t>10.07.2019</a:t>
             </a:fld>
             <a:endParaRPr lang="de-CH"/>
           </a:p>
@@ -2579,7 +2584,7 @@
           <a:p>
             <a:fld id="{FAA8CAB1-B6AD-41C7-9377-4459BDE3A19B}" type="datetimeFigureOut">
               <a:rPr lang="de-CH" smtClean="0"/>
-              <a:t>09.07.2019</a:t>
+              <a:t>10.07.2019</a:t>
             </a:fld>
             <a:endParaRPr lang="de-CH"/>
           </a:p>
@@ -3547,7 +3552,6 @@
               <a:rPr lang="de-CH" sz="4000" dirty="0" smtClean="0"/>
               <a:t>Soll Ziele</a:t>
             </a:r>
-            <a:endParaRPr lang="de-CH" sz="4000" dirty="0" smtClean="0"/>
           </a:p>
         </p:txBody>
       </p:sp>
@@ -3974,7 +3978,6 @@
               <a:rPr lang="de-CH" sz="4000" dirty="0" smtClean="0"/>
               <a:t>Ist Ziele</a:t>
             </a:r>
-            <a:endParaRPr lang="de-CH" sz="4000" dirty="0" smtClean="0"/>
           </a:p>
         </p:txBody>
       </p:sp>
@@ -4204,7 +4207,6 @@
               <a:rPr lang="de-CH" sz="4000" dirty="0" smtClean="0"/>
               <a:t>Test Resultate</a:t>
             </a:r>
-            <a:endParaRPr lang="de-CH" sz="4000" dirty="0" smtClean="0"/>
           </a:p>
         </p:txBody>
       </p:sp>
@@ -4217,7 +4219,7 @@
           <p:nvPr>
             <p:extLst>
               <p:ext uri="{D42A27DB-BD31-4B8C-83A1-F6EECF244321}">
-                <p14:modId xmlns:p14="http://schemas.microsoft.com/office/powerpoint/2010/main" val="3788849767"/>
+                <p14:modId xmlns:p14="http://schemas.microsoft.com/office/powerpoint/2010/main" val="3002248080"/>
               </p:ext>
             </p:extLst>
           </p:nvPr>
@@ -5102,7 +5104,19 @@
                         <a:rPr lang="de-CH" sz="1100" dirty="0">
                           <a:effectLst/>
                         </a:rPr>
-                        <a:t>Beim «Hinzufügen» Button muss man zweimal klicken. (Weil JSF dumm ist)</a:t>
+                        <a:t>Beim «Hinzufügen» Button muss man zweimal </a:t>
+                      </a:r>
+                      <a:r>
+                        <a:rPr lang="de-CH" sz="1100">
+                          <a:effectLst/>
+                        </a:rPr>
+                        <a:t>klicken</a:t>
+                      </a:r>
+                      <a:r>
+                        <a:rPr lang="de-CH" sz="1100" smtClean="0">
+                          <a:effectLst/>
+                        </a:rPr>
+                        <a:t>.</a:t>
                       </a:r>
                       <a:endParaRPr lang="de-CH" sz="1100" dirty="0">
                         <a:effectLst/>
@@ -5775,7 +5789,6 @@
               <a:rPr lang="de-CH" sz="4000" dirty="0" smtClean="0"/>
               <a:t>Vorgehensweise</a:t>
             </a:r>
-            <a:endParaRPr lang="de-CH" sz="4000" dirty="0" smtClean="0"/>
           </a:p>
         </p:txBody>
       </p:sp>
@@ -6450,7 +6463,6 @@
               <a:rPr lang="de-CH" sz="4000" dirty="0" smtClean="0"/>
               <a:t>Fazit</a:t>
             </a:r>
-            <a:endParaRPr lang="de-CH" sz="4000" dirty="0" smtClean="0"/>
           </a:p>
         </p:txBody>
       </p:sp>
